--- a/module-1/wedergren_module_1.2_assignment.pptx
+++ b/module-1/wedergren_module_1.2_assignment.pptx
@@ -116,6 +116,11 @@
       </a:defRPr>
     </a:lvl9pPr>
   </p:defaultTextStyle>
+  <p:extLst>
+    <p:ext uri="{EFAFB233-063F-42B5-8137-9DF3F51BA10A}">
+      <p15:sldGuideLst xmlns:p15="http://schemas.microsoft.com/office/powerpoint/2012/main"/>
+    </p:ext>
+  </p:extLst>
 </p:presentation>
 </file>
 
@@ -5265,7 +5270,7 @@
           <a:p>
             <a:fld id="{9DF180F7-12DE-4F93-8A53-DFD7CD0E6AF8}" type="datetimeFigureOut">
               <a:rPr lang="en-US" smtClean="0"/>
-              <a:t>10/20/2025</a:t>
+              <a:t>10/26/2025</a:t>
             </a:fld>
             <a:endParaRPr lang="en-US"/>
           </a:p>
@@ -6674,7 +6679,7 @@
           <a:p>
             <a:fld id="{395357C0-6E0D-46EB-9F8F-43803F348F24}" type="datetime1">
               <a:rPr lang="en-US" smtClean="0"/>
-              <a:t>10/20/2025</a:t>
+              <a:t>10/26/2025</a:t>
             </a:fld>
             <a:endParaRPr lang="en-US"/>
           </a:p>
@@ -7121,7 +7126,7 @@
           <a:p>
             <a:fld id="{395056F1-F5E2-4ED8-9ED2-B4DCC32FE4B1}" type="datetime1">
               <a:rPr lang="en-US" smtClean="0"/>
-              <a:t>10/20/2025</a:t>
+              <a:t>10/26/2025</a:t>
             </a:fld>
             <a:endParaRPr lang="en-US"/>
           </a:p>
@@ -7387,7 +7392,7 @@
           <a:p>
             <a:fld id="{87333073-65C1-4CC7-BBE7-8F5A3AFB183B}" type="datetime1">
               <a:rPr lang="en-US" smtClean="0"/>
-              <a:t>10/20/2025</a:t>
+              <a:t>10/26/2025</a:t>
             </a:fld>
             <a:endParaRPr lang="en-US"/>
           </a:p>
@@ -7800,7 +7805,7 @@
           <a:p>
             <a:fld id="{EE872102-C255-4B2E-9A7E-2603C5FAD6D4}" type="datetime1">
               <a:rPr lang="en-US" smtClean="0"/>
-              <a:t>10/20/2025</a:t>
+              <a:t>10/26/2025</a:t>
             </a:fld>
             <a:endParaRPr lang="en-US"/>
           </a:p>
@@ -8134,7 +8139,7 @@
           <a:p>
             <a:fld id="{5070A7D6-92E1-4CDF-BD2F-79F298197135}" type="datetime1">
               <a:rPr lang="en-US" smtClean="0"/>
-              <a:t>10/20/2025</a:t>
+              <a:t>10/26/2025</a:t>
             </a:fld>
             <a:endParaRPr lang="en-US"/>
           </a:p>
@@ -8352,7 +8357,7 @@
           <a:p>
             <a:fld id="{FFBEE3B3-6EA8-4914-BDAC-89234BD2AD09}" type="datetime1">
               <a:rPr lang="en-US" smtClean="0"/>
-              <a:t>10/20/2025</a:t>
+              <a:t>10/26/2025</a:t>
             </a:fld>
             <a:endParaRPr lang="en-US"/>
           </a:p>
@@ -8615,7 +8620,7 @@
           <a:p>
             <a:fld id="{32BB48EB-6AF5-4207-A153-D1AA963F0AC1}" type="datetime1">
               <a:rPr lang="en-US" smtClean="0"/>
-              <a:t>10/20/2025</a:t>
+              <a:t>10/26/2025</a:t>
             </a:fld>
             <a:endParaRPr lang="en-US"/>
           </a:p>
@@ -8878,7 +8883,7 @@
           <a:p>
             <a:fld id="{C0016614-595C-443F-AE20-86D2AC6A0013}" type="datetime1">
               <a:rPr lang="en-US" smtClean="0"/>
-              <a:t>10/20/2025</a:t>
+              <a:t>10/26/2025</a:t>
             </a:fld>
             <a:endParaRPr lang="en-US"/>
           </a:p>
@@ -9141,7 +9146,7 @@
           <a:p>
             <a:fld id="{37FC8A85-8FD1-45F0-99DE-E338DC5235BC}" type="datetime1">
               <a:rPr lang="en-US" smtClean="0"/>
-              <a:t>10/20/2025</a:t>
+              <a:t>10/26/2025</a:t>
             </a:fld>
             <a:endParaRPr lang="en-US"/>
           </a:p>
@@ -9473,7 +9478,7 @@
           <a:p>
             <a:fld id="{392DEB38-22AD-484B-BEB1-12B18D8CEE64}" type="datetime1">
               <a:rPr lang="en-US" smtClean="0"/>
-              <a:t>10/20/2025</a:t>
+              <a:t>10/26/2025</a:t>
             </a:fld>
             <a:endParaRPr lang="en-US"/>
           </a:p>
@@ -9835,7 +9840,7 @@
           <a:p>
             <a:fld id="{957C2DDA-91DD-4B15-B0D6-0E3634C6CC2A}" type="datetime1">
               <a:rPr lang="en-US" smtClean="0"/>
-              <a:t>10/20/2025</a:t>
+              <a:t>10/26/2025</a:t>
             </a:fld>
             <a:endParaRPr lang="en-US"/>
           </a:p>
@@ -10098,7 +10103,7 @@
           <a:p>
             <a:fld id="{3C889C35-F31B-4EAB-A4E6-687A63844314}" type="datetime1">
               <a:rPr lang="en-US" smtClean="0"/>
-              <a:t>10/20/2025</a:t>
+              <a:t>10/26/2025</a:t>
             </a:fld>
             <a:endParaRPr lang="en-US"/>
           </a:p>
@@ -10415,7 +10420,7 @@
           <a:p>
             <a:fld id="{2217B7B5-5BBE-40BC-B471-E2BA9D71AA0E}" type="datetime1">
               <a:rPr lang="en-US" smtClean="0"/>
-              <a:t>10/20/2025</a:t>
+              <a:t>10/26/2025</a:t>
             </a:fld>
             <a:endParaRPr lang="en-US"/>
           </a:p>
@@ -10731,7 +10736,7 @@
           <a:p>
             <a:fld id="{EF607E7C-B760-45A7-AB98-EEAB39EBFFA9}" type="datetime1">
               <a:rPr lang="en-US" smtClean="0"/>
-              <a:t>10/20/2025</a:t>
+              <a:t>10/26/2025</a:t>
             </a:fld>
             <a:endParaRPr lang="en-US"/>
           </a:p>
@@ -11052,7 +11057,7 @@
           <a:p>
             <a:fld id="{C4680711-5BFA-4199-BAD0-B0C15B04A070}" type="datetime1">
               <a:rPr lang="en-US" smtClean="0"/>
-              <a:t>10/20/2025</a:t>
+              <a:t>10/26/2025</a:t>
             </a:fld>
             <a:endParaRPr lang="en-US"/>
           </a:p>
@@ -11368,7 +11373,7 @@
           <a:p>
             <a:fld id="{20C9332B-92F1-4946-B218-9926114AAEA1}" type="datetime1">
               <a:rPr lang="en-US" smtClean="0"/>
-              <a:t>10/20/2025</a:t>
+              <a:t>10/26/2025</a:t>
             </a:fld>
             <a:endParaRPr lang="en-US"/>
           </a:p>
@@ -11684,7 +11689,7 @@
           <a:p>
             <a:fld id="{E2F630AA-266B-4EED-8F37-1EEA7BB36798}" type="datetime1">
               <a:rPr lang="en-US" smtClean="0"/>
-              <a:t>10/20/2025</a:t>
+              <a:t>10/26/2025</a:t>
             </a:fld>
             <a:endParaRPr lang="en-US"/>
           </a:p>
@@ -12026,7 +12031,7 @@
           <a:p>
             <a:fld id="{A2E4BA8A-8D99-4942-A6AE-3429BB81C9B0}" type="datetime1">
               <a:rPr lang="en-US" smtClean="0"/>
-              <a:t>10/20/2025</a:t>
+              <a:t>10/26/2025</a:t>
             </a:fld>
             <a:endParaRPr lang="en-US"/>
           </a:p>
@@ -12348,7 +12353,7 @@
           <a:p>
             <a:fld id="{5BCB8B90-98AD-44EA-88CB-87E0482D47C5}" type="datetime1">
               <a:rPr lang="en-US" smtClean="0"/>
-              <a:t>10/20/2025</a:t>
+              <a:t>10/26/2025</a:t>
             </a:fld>
             <a:endParaRPr lang="en-US"/>
           </a:p>
@@ -12688,7 +12693,7 @@
           <a:p>
             <a:fld id="{0672E3CE-9562-4779-875D-570AC5656D0F}" type="datetime1">
               <a:rPr lang="en-US" smtClean="0"/>
-              <a:t>10/20/2025</a:t>
+              <a:t>10/26/2025</a:t>
             </a:fld>
             <a:endParaRPr lang="en-US"/>
           </a:p>
@@ -13025,7 +13030,7 @@
           <a:p>
             <a:fld id="{BF4D8B86-78FA-4747-9401-2399B1893341}" type="datetime1">
               <a:rPr lang="en-US" smtClean="0"/>
-              <a:t>10/20/2025</a:t>
+              <a:t>10/26/2025</a:t>
             </a:fld>
             <a:endParaRPr lang="en-US"/>
           </a:p>
@@ -13412,7 +13417,7 @@
           <a:p>
             <a:fld id="{55ECC63D-CDB3-4317-A945-BF72F7BF98EB}" type="datetime1">
               <a:rPr lang="en-US" smtClean="0"/>
-              <a:t>10/20/2025</a:t>
+              <a:t>10/26/2025</a:t>
             </a:fld>
             <a:endParaRPr lang="en-US"/>
           </a:p>
@@ -14006,7 +14011,7 @@
           <a:p>
             <a:fld id="{AAD51419-3F0D-4A1E-BC8B-A018756B4625}" type="datetime1">
               <a:rPr lang="en-US" smtClean="0"/>
-              <a:t>10/20/2025</a:t>
+              <a:t>10/26/2025</a:t>
             </a:fld>
             <a:endParaRPr lang="en-US"/>
           </a:p>
@@ -14408,7 +14413,7 @@
           <a:p>
             <a:fld id="{F1B6FEA0-B839-4598-B2DD-445068A8396C}" type="datetime1">
               <a:rPr lang="en-US" smtClean="0"/>
-              <a:t>10/20/2025</a:t>
+              <a:t>10/26/2025</a:t>
             </a:fld>
             <a:endParaRPr lang="en-US"/>
           </a:p>
@@ -14700,7 +14705,7 @@
           <a:p>
             <a:fld id="{BF024032-45C2-4C36-A7D1-3A3BD65AF0CF}" type="datetime1">
               <a:rPr lang="en-US" smtClean="0"/>
-              <a:t>10/20/2025</a:t>
+              <a:t>10/26/2025</a:t>
             </a:fld>
             <a:endParaRPr lang="en-US"/>
           </a:p>
@@ -14992,7 +14997,7 @@
           <a:p>
             <a:fld id="{70D67178-055F-49DC-969F-AB374B7A5758}" type="datetime1">
               <a:rPr lang="en-US" smtClean="0"/>
-              <a:t>10/20/2025</a:t>
+              <a:t>10/26/2025</a:t>
             </a:fld>
             <a:endParaRPr lang="en-US"/>
           </a:p>
@@ -15308,7 +15313,7 @@
           <a:p>
             <a:fld id="{85436D6D-18C4-497A-81D8-87B6E0BF7395}" type="datetime1">
               <a:rPr lang="en-US" smtClean="0"/>
-              <a:t>10/20/2025</a:t>
+              <a:t>10/26/2025</a:t>
             </a:fld>
             <a:endParaRPr lang="en-US"/>
           </a:p>
@@ -15629,7 +15634,7 @@
           <a:p>
             <a:fld id="{51CE585B-D50B-46C7-90D5-F8C248FB96B3}" type="datetime1">
               <a:rPr lang="en-US" smtClean="0"/>
-              <a:t>10/20/2025</a:t>
+              <a:t>10/26/2025</a:t>
             </a:fld>
             <a:endParaRPr lang="en-US"/>
           </a:p>
@@ -15900,7 +15905,7 @@
           <a:p>
             <a:fld id="{BFA9687D-6191-4AD9-82A2-1B737232915B}" type="datetime1">
               <a:rPr lang="en-US" smtClean="0"/>
-              <a:t>10/20/2025</a:t>
+              <a:t>10/26/2025</a:t>
             </a:fld>
             <a:endParaRPr lang="en-US"/>
           </a:p>
@@ -16252,7 +16257,7 @@
           <a:p>
             <a:fld id="{5F2E741A-92DD-45DF-8212-2D8EB227508B}" type="datetime1">
               <a:rPr lang="en-US" smtClean="0"/>
-              <a:t>10/20/2025</a:t>
+              <a:t>10/26/2025</a:t>
             </a:fld>
             <a:endParaRPr lang="en-US"/>
           </a:p>
@@ -16625,7 +16630,7 @@
           <a:p>
             <a:fld id="{613F8E84-C221-42E2-A88F-FC6CBC7F05E7}" type="datetime1">
               <a:rPr lang="en-US" smtClean="0"/>
-              <a:t>10/20/2025</a:t>
+              <a:t>10/26/2025</a:t>
             </a:fld>
             <a:endParaRPr lang="en-US"/>
           </a:p>
@@ -16978,7 +16983,7 @@
           <a:p>
             <a:fld id="{34DFD6AF-0F92-4F71-9576-F6847C4CFE31}" type="datetime1">
               <a:rPr lang="en-US" smtClean="0"/>
-              <a:t>10/20/2025</a:t>
+              <a:t>10/26/2025</a:t>
             </a:fld>
             <a:endParaRPr lang="en-US"/>
           </a:p>
@@ -17354,7 +17359,7 @@
           <a:p>
             <a:fld id="{028211E3-7798-4C1B-A8B7-1D4CC8744C3E}" type="datetime1">
               <a:rPr lang="en-US" smtClean="0"/>
-              <a:t>10/20/2025</a:t>
+              <a:t>10/26/2025</a:t>
             </a:fld>
             <a:endParaRPr lang="en-US"/>
           </a:p>
@@ -17886,7 +17891,7 @@
           <a:p>
             <a:fld id="{DB416C6F-BD23-48A3-9D04-6B6FEC3702B5}" type="datetime1">
               <a:rPr lang="en-US" smtClean="0"/>
-              <a:t>10/20/2025</a:t>
+              <a:t>10/26/2025</a:t>
             </a:fld>
             <a:endParaRPr lang="en-US"/>
           </a:p>
@@ -18190,7 +18195,7 @@
           <a:p>
             <a:fld id="{2D89B1FA-A3A2-4EEE-AC52-74345FF796E0}" type="datetime1">
               <a:rPr lang="en-US" smtClean="0"/>
-              <a:t>10/20/2025</a:t>
+              <a:t>10/26/2025</a:t>
             </a:fld>
             <a:endParaRPr lang="en-US"/>
           </a:p>
@@ -18555,7 +18560,7 @@
           <a:p>
             <a:fld id="{8CB0E27F-4DA4-4250-AB3F-755F95A702F0}" type="datetime1">
               <a:rPr lang="en-US" smtClean="0"/>
-              <a:t>10/20/2025</a:t>
+              <a:t>10/26/2025</a:t>
             </a:fld>
             <a:endParaRPr lang="en-US"/>
           </a:p>
@@ -18907,7 +18912,7 @@
           <a:p>
             <a:fld id="{281718C3-C21D-4CB2-9429-434651DA51E0}" type="datetime1">
               <a:rPr lang="en-US" smtClean="0"/>
-              <a:t>10/20/2025</a:t>
+              <a:t>10/26/2025</a:t>
             </a:fld>
             <a:endParaRPr lang="en-US"/>
           </a:p>
@@ -19205,7 +19210,7 @@
           <a:p>
             <a:fld id="{EF484BAB-BC70-496F-BE5F-77C3800258C1}" type="datetime1">
               <a:rPr lang="en-US" smtClean="0"/>
-              <a:t>10/20/2025</a:t>
+              <a:t>10/26/2025</a:t>
             </a:fld>
             <a:endParaRPr lang="en-US"/>
           </a:p>
@@ -19545,7 +19550,7 @@
           <a:p>
             <a:fld id="{9245940F-B015-464A-92BD-FC8709C093C5}" type="datetime1">
               <a:rPr lang="en-US" smtClean="0"/>
-              <a:t>10/20/2025</a:t>
+              <a:t>10/26/2025</a:t>
             </a:fld>
             <a:endParaRPr lang="en-US"/>
           </a:p>
@@ -19966,7 +19971,7 @@
           <a:p>
             <a:fld id="{8E6C2023-0583-4B96-882C-68D22DCD46B6}" type="datetime1">
               <a:rPr lang="en-US" smtClean="0"/>
-              <a:t>10/20/2025</a:t>
+              <a:t>10/26/2025</a:t>
             </a:fld>
             <a:endParaRPr lang="en-US"/>
           </a:p>
@@ -20384,7 +20389,7 @@
           <a:p>
             <a:fld id="{6504A9F1-814E-44B0-83E3-9DA02F3C243F}" type="datetime1">
               <a:rPr lang="en-US" smtClean="0"/>
-              <a:t>10/20/2025</a:t>
+              <a:t>10/26/2025</a:t>
             </a:fld>
             <a:endParaRPr lang="en-US"/>
           </a:p>
@@ -20866,7 +20871,7 @@
           <a:p>
             <a:fld id="{6DF15078-AEDD-4B5A-AC6A-C8F87F9646E7}" type="datetime1">
               <a:rPr lang="en-US" smtClean="0"/>
-              <a:t>10/20/2025</a:t>
+              <a:t>10/26/2025</a:t>
             </a:fld>
             <a:endParaRPr lang="en-US"/>
           </a:p>
@@ -21061,7 +21066,7 @@
           <a:p>
             <a:fld id="{51B2758D-8EE6-4CC5-A170-BE9501D7BCFF}" type="datetime1">
               <a:rPr lang="en-US" smtClean="0"/>
-              <a:t>10/20/2025</a:t>
+              <a:t>10/26/2025</a:t>
             </a:fld>
             <a:endParaRPr lang="en-US"/>
           </a:p>
@@ -21182,7 +21187,7 @@
           <a:p>
             <a:fld id="{0FCB484E-FEE6-4572-A5E5-40AFA2254CF8}" type="datetime1">
               <a:rPr lang="en-US" smtClean="0"/>
-              <a:t>10/20/2025</a:t>
+              <a:t>10/26/2025</a:t>
             </a:fld>
             <a:endParaRPr lang="en-US"/>
           </a:p>
@@ -21525,7 +21530,7 @@
           <a:p>
             <a:fld id="{C135F28A-0986-4E7B-B35D-341D39FBD191}" type="datetime1">
               <a:rPr lang="en-US" smtClean="0"/>
-              <a:t>10/20/2025</a:t>
+              <a:t>10/26/2025</a:t>
             </a:fld>
             <a:endParaRPr lang="en-US"/>
           </a:p>
@@ -21836,7 +21841,7 @@
           <a:p>
             <a:fld id="{A57FC195-9048-4969-9920-6939BE28AE8D}" type="datetime1">
               <a:rPr lang="en-US" smtClean="0"/>
-              <a:t>10/20/2025</a:t>
+              <a:t>10/26/2025</a:t>
             </a:fld>
             <a:endParaRPr lang="en-US"/>
           </a:p>
@@ -22122,7 +22127,7 @@
           <a:p>
             <a:fld id="{8CCE6180-3A1B-4424-AB9F-671C4EBC0A2E}" type="datetime1">
               <a:rPr lang="en-US" smtClean="0"/>
-              <a:t>10/20/2025</a:t>
+              <a:t>10/26/2025</a:t>
             </a:fld>
             <a:endParaRPr lang="en-US" dirty="0"/>
           </a:p>
@@ -22418,7 +22423,7 @@
           <a:p>
             <a:fld id="{E2C22330-A382-475A-8519-6A39191EC88E}" type="datetime1">
               <a:rPr lang="en-US" smtClean="0"/>
-              <a:t>10/20/2025</a:t>
+              <a:t>10/26/2025</a:t>
             </a:fld>
             <a:endParaRPr lang="en-US"/>
           </a:p>
@@ -22714,7 +22719,7 @@
           <a:p>
             <a:fld id="{6E20DC0D-99C6-4F09-90C7-C0EC6E2F0A06}" type="datetime1">
               <a:rPr lang="en-US" smtClean="0"/>
-              <a:t>10/20/2025</a:t>
+              <a:t>10/26/2025</a:t>
             </a:fld>
             <a:endParaRPr lang="en-US"/>
           </a:p>
@@ -22967,7 +22972,7 @@
           <a:p>
             <a:fld id="{DD9686BE-81E0-4285-A95D-6934CDF6209E}" type="datetime1">
               <a:rPr lang="en-US" smtClean="0"/>
-              <a:t>10/20/2025</a:t>
+              <a:t>10/26/2025</a:t>
             </a:fld>
             <a:endParaRPr lang="en-US"/>
           </a:p>
@@ -23220,7 +23225,7 @@
           <a:p>
             <a:fld id="{EB464E07-DAE2-4D6D-BDD9-1CE7637F446D}" type="datetime1">
               <a:rPr lang="en-US" smtClean="0"/>
-              <a:t>10/20/2025</a:t>
+              <a:t>10/26/2025</a:t>
             </a:fld>
             <a:endParaRPr lang="en-US"/>
           </a:p>
@@ -23541,7 +23546,7 @@
           <a:p>
             <a:fld id="{531D259D-9AB9-44BA-8FCD-FE201F91B5A0}" type="datetime1">
               <a:rPr lang="en-US" smtClean="0"/>
-              <a:t>10/20/2025</a:t>
+              <a:t>10/26/2025</a:t>
             </a:fld>
             <a:endParaRPr lang="en-US"/>
           </a:p>
@@ -23862,7 +23867,7 @@
           <a:p>
             <a:fld id="{74EB0658-C877-4D58-A83B-07BEE0E4C7B4}" type="datetime1">
               <a:rPr lang="en-US" smtClean="0"/>
-              <a:t>10/20/2025</a:t>
+              <a:t>10/26/2025</a:t>
             </a:fld>
             <a:endParaRPr lang="en-US"/>
           </a:p>
@@ -24268,7 +24273,7 @@
           <a:p>
             <a:fld id="{ECD290D4-E5CF-428F-801F-3741FA4FB792}" type="datetime1">
               <a:rPr lang="en-US" smtClean="0"/>
-              <a:t>10/20/2025</a:t>
+              <a:t>10/26/2025</a:t>
             </a:fld>
             <a:endParaRPr lang="en-US"/>
           </a:p>
@@ -27674,7 +27679,7 @@
           <a:p>
             <a:r>
               <a:rPr lang="en-US" sz="3000" dirty="0"/>
-              <a:t>Visualizing the Value Stream: Graphic Representation</a:t>
+              <a:t>Visualizing the Value Stream</a:t>
             </a:r>
           </a:p>
         </p:txBody>
